--- a/118 Documents/118DesignPresentation.pptx
+++ b/118 Documents/118DesignPresentation.pptx
@@ -5,16 +5,15 @@
     <p:sldMasterId id="2147483648" r:id="rId1"/>
   </p:sldMasterIdLst>
   <p:notesMasterIdLst>
-    <p:notesMasterId r:id="rId6"/>
+    <p:notesMasterId r:id="rId5"/>
   </p:notesMasterIdLst>
   <p:handoutMasterIdLst>
-    <p:handoutMasterId r:id="rId7"/>
+    <p:handoutMasterId r:id="rId6"/>
   </p:handoutMasterIdLst>
   <p:sldIdLst>
     <p:sldId id="608" r:id="rId2"/>
     <p:sldId id="606" r:id="rId3"/>
     <p:sldId id="609" r:id="rId4"/>
-    <p:sldId id="610" r:id="rId5"/>
   </p:sldIdLst>
   <p:sldSz cx="9144000" cy="6858000" type="screen4x3"/>
   <p:notesSz cx="7004050" cy="9223375"/>
@@ -27,7 +26,7 @@
     </p:custShow>
   </p:custShowLst>
   <p:custDataLst>
-    <p:tags r:id="rId8"/>
+    <p:tags r:id="rId7"/>
   </p:custDataLst>
   <p:defaultTextStyle>
     <a:defPPr>
@@ -1012,90 +1011,6 @@
               <a:rPr lang="en-US"/>
               <a:pPr/>
               <a:t>3</a:t>
-            </a:fld>
-            <a:endParaRPr lang="en-US"/>
-          </a:p>
-        </p:txBody>
-      </p:sp>
-      <p:sp>
-        <p:nvSpPr>
-          <p:cNvPr id="357378" name="Rectangle 2"/>
-          <p:cNvSpPr>
-            <a:spLocks noGrp="1" noRot="1" noChangeAspect="1" noChangeArrowheads="1" noTextEdit="1"/>
-          </p:cNvSpPr>
-          <p:nvPr>
-            <p:ph type="sldImg"/>
-          </p:nvPr>
-        </p:nvSpPr>
-        <p:spPr>
-          <a:ln/>
-        </p:spPr>
-      </p:sp>
-      <p:sp>
-        <p:nvSpPr>
-          <p:cNvPr id="357379" name="Rectangle 3"/>
-          <p:cNvSpPr>
-            <a:spLocks noGrp="1" noChangeArrowheads="1"/>
-          </p:cNvSpPr>
-          <p:nvPr>
-            <p:ph type="body" idx="1"/>
-          </p:nvPr>
-        </p:nvSpPr>
-        <p:spPr/>
-        <p:txBody>
-          <a:bodyPr/>
-          <a:lstStyle/>
-          <a:p>
-            <a:endParaRPr lang="en-US"/>
-          </a:p>
-        </p:txBody>
-      </p:sp>
-    </p:spTree>
-  </p:cSld>
-  <p:clrMapOvr>
-    <a:masterClrMapping/>
-  </p:clrMapOvr>
-</p:notes>
-</file>
-
-<file path=ppt/notesSlides/notesSlide4.xml><?xml version="1.0" encoding="utf-8"?>
-<p:notes xmlns:a="http://schemas.openxmlformats.org/drawingml/2006/main" xmlns:r="http://schemas.openxmlformats.org/officeDocument/2006/relationships" xmlns:p="http://schemas.openxmlformats.org/presentationml/2006/main">
-  <p:cSld>
-    <p:spTree>
-      <p:nvGrpSpPr>
-        <p:cNvPr id="1" name=""/>
-        <p:cNvGrpSpPr/>
-        <p:nvPr/>
-      </p:nvGrpSpPr>
-      <p:grpSpPr>
-        <a:xfrm>
-          <a:off x="0" y="0"/>
-          <a:ext cx="0" cy="0"/>
-          <a:chOff x="0" y="0"/>
-          <a:chExt cx="0" cy="0"/>
-        </a:xfrm>
-      </p:grpSpPr>
-      <p:sp>
-        <p:nvSpPr>
-          <p:cNvPr id="5" name="Rectangle 7"/>
-          <p:cNvSpPr>
-            <a:spLocks noGrp="1" noChangeArrowheads="1"/>
-          </p:cNvSpPr>
-          <p:nvPr>
-            <p:ph type="sldNum" sz="quarter" idx="5"/>
-          </p:nvPr>
-        </p:nvSpPr>
-        <p:spPr>
-          <a:ln/>
-        </p:spPr>
-        <p:txBody>
-          <a:bodyPr/>
-          <a:lstStyle/>
-          <a:p>
-            <a:fld id="{4F113B9B-A2C2-4CAB-BB29-615831AF4E8A}" type="slidenum">
-              <a:rPr lang="en-US"/>
-              <a:pPr/>
-              <a:t>4</a:t>
             </a:fld>
             <a:endParaRPr lang="en-US"/>
           </a:p>
@@ -3580,28 +3495,124 @@
           <a:lstStyle/>
           <a:p>
             <a:r>
+              <a:rPr lang="en-US" dirty="0" smtClean="0">
+                <a:solidFill>
+                  <a:schemeClr val="tx1"/>
+                </a:solidFill>
+              </a:rPr>
+              <a:t>Team</a:t>
+            </a:r>
+            <a:r>
+              <a:rPr lang="en-US" dirty="0" smtClean="0">
+                <a:solidFill>
+                  <a:srgbClr val="00B050"/>
+                </a:solidFill>
+              </a:rPr>
+              <a:t> </a:t>
+            </a:r>
+            <a:r>
+              <a:rPr lang="en-US" i="1" u="sng" dirty="0" err="1" smtClean="0">
+                <a:solidFill>
+                  <a:srgbClr val="00B050"/>
+                </a:solidFill>
+                <a:latin typeface="Berlin Sans FB Demi" panose="020E0802020502020306" pitchFamily="34" charset="0"/>
+              </a:rPr>
+              <a:t>Reg</a:t>
+            </a:r>
+            <a:r>
+              <a:rPr lang="en-US" i="1" u="sng" dirty="0" err="1" smtClean="0">
+                <a:solidFill>
+                  <a:srgbClr val="FFC000"/>
+                </a:solidFill>
+                <a:latin typeface="Berlin Sans FB Demi" panose="020E0802020502020306" pitchFamily="34" charset="0"/>
+              </a:rPr>
+              <a:t>gae</a:t>
+            </a:r>
+            <a:r>
+              <a:rPr lang="en-US" i="1" u="sng" dirty="0" err="1" smtClean="0">
+                <a:solidFill>
+                  <a:srgbClr val="FF0000"/>
+                </a:solidFill>
+                <a:latin typeface="Berlin Sans FB Demi" panose="020E0802020502020306" pitchFamily="34" charset="0"/>
+              </a:rPr>
+              <a:t>tron</a:t>
+            </a:r>
+            <a:r>
               <a:rPr lang="en-US" dirty="0" smtClean="0"/>
-              <a:t>Team Name</a:t>
+              <a:t/>
             </a:r>
             <a:br>
               <a:rPr lang="en-US" dirty="0" smtClean="0"/>
             </a:br>
             <a:r>
-              <a:rPr lang="en-US" sz="2400" dirty="0" smtClean="0"/>
-              <a:t>Member Names, </a:t>
-            </a:r>
-            <a:r>
-              <a:rPr lang="en-US" sz="2400" dirty="0"/>
-              <a:t>Member </a:t>
-            </a:r>
-            <a:r>
-              <a:rPr lang="en-US" sz="2400" dirty="0" smtClean="0"/>
-              <a:t>Names, </a:t>
-            </a:r>
-            <a:r>
-              <a:rPr lang="en-US" sz="2400" dirty="0"/>
-              <a:t>Member Names</a:t>
-            </a:r>
+              <a:rPr lang="en-US" sz="2400" dirty="0" smtClean="0">
+                <a:solidFill>
+                  <a:schemeClr val="tx1"/>
+                </a:solidFill>
+              </a:rPr>
+              <a:t>Colin </a:t>
+            </a:r>
+            <a:r>
+              <a:rPr lang="en-US" sz="2400" dirty="0" err="1" smtClean="0">
+                <a:solidFill>
+                  <a:schemeClr val="tx1"/>
+                </a:solidFill>
+              </a:rPr>
+              <a:t>Swerdon</a:t>
+            </a:r>
+            <a:r>
+              <a:rPr lang="en-US" sz="2400" dirty="0" smtClean="0">
+                <a:solidFill>
+                  <a:schemeClr val="tx1"/>
+                </a:solidFill>
+              </a:rPr>
+              <a:t>, Ricardo </a:t>
+            </a:r>
+            <a:r>
+              <a:rPr lang="en-US" sz="2400" dirty="0" err="1" smtClean="0">
+                <a:solidFill>
+                  <a:schemeClr val="tx1"/>
+                </a:solidFill>
+              </a:rPr>
+              <a:t>Salcedo</a:t>
+            </a:r>
+            <a:r>
+              <a:rPr lang="en-US" sz="2400" dirty="0" smtClean="0">
+                <a:solidFill>
+                  <a:schemeClr val="tx1"/>
+                </a:solidFill>
+              </a:rPr>
+              <a:t>, </a:t>
+            </a:r>
+            <a:r>
+              <a:rPr lang="en-US" sz="2400" dirty="0" err="1" smtClean="0">
+                <a:solidFill>
+                  <a:schemeClr val="tx1"/>
+                </a:solidFill>
+              </a:rPr>
+              <a:t>Pavlo</a:t>
+            </a:r>
+            <a:r>
+              <a:rPr lang="en-US" sz="2400" dirty="0" smtClean="0">
+                <a:solidFill>
+                  <a:schemeClr val="tx1"/>
+                </a:solidFill>
+              </a:rPr>
+              <a:t> </a:t>
+            </a:r>
+            <a:r>
+              <a:rPr lang="en-US" sz="2400" dirty="0" err="1" smtClean="0">
+                <a:solidFill>
+                  <a:schemeClr val="tx1"/>
+                </a:solidFill>
+              </a:rPr>
+              <a:t>Manovi</a:t>
+            </a:r>
+            <a:endParaRPr lang="en-US" sz="2400" dirty="0">
+              <a:solidFill>
+                <a:schemeClr val="tx1"/>
+              </a:solidFill>
+            </a:endParaRPr>
           </a:p>
         </p:txBody>
       </p:sp>
@@ -3653,7 +3664,7 @@
             <a:pPr algn="l"/>
             <a:r>
               <a:rPr lang="en-US" dirty="0" smtClean="0"/>
-              <a:t>Team Initials</a:t>
+              <a:t>CPR</a:t>
             </a:r>
             <a:endParaRPr lang="en-US" dirty="0"/>
           </a:p>
@@ -3707,66 +3718,7 @@
             <a:pPr algn="l"/>
             <a:r>
               <a:rPr lang="en-US" dirty="0" smtClean="0"/>
-              <a:t>Team Initials</a:t>
-            </a:r>
-            <a:endParaRPr lang="en-US" dirty="0"/>
-          </a:p>
-        </p:txBody>
-      </p:sp>
-    </p:spTree>
-    <p:extLst>
-      <p:ext uri="{BB962C8B-B14F-4D97-AF65-F5344CB8AC3E}">
-        <p14:creationId xmlns:p14="http://schemas.microsoft.com/office/powerpoint/2010/main" val="2474134800"/>
-      </p:ext>
-    </p:extLst>
-  </p:cSld>
-  <p:clrMapOvr>
-    <a:masterClrMapping/>
-  </p:clrMapOvr>
-</p:sld>
-</file>
-
-<file path=ppt/slides/slide4.xml><?xml version="1.0" encoding="utf-8"?>
-<p:sld xmlns:a="http://schemas.openxmlformats.org/drawingml/2006/main" xmlns:r="http://schemas.openxmlformats.org/officeDocument/2006/relationships" xmlns:p="http://schemas.openxmlformats.org/presentationml/2006/main">
-  <p:cSld>
-    <p:spTree>
-      <p:nvGrpSpPr>
-        <p:cNvPr id="1" name=""/>
-        <p:cNvGrpSpPr/>
-        <p:nvPr/>
-      </p:nvGrpSpPr>
-      <p:grpSpPr>
-        <a:xfrm>
-          <a:off x="0" y="0"/>
-          <a:ext cx="0" cy="0"/>
-          <a:chOff x="0" y="0"/>
-          <a:chExt cx="0" cy="0"/>
-        </a:xfrm>
-      </p:grpSpPr>
-      <p:sp>
-        <p:nvSpPr>
-          <p:cNvPr id="2" name="Title 1"/>
-          <p:cNvSpPr>
-            <a:spLocks noGrp="1"/>
-          </p:cNvSpPr>
-          <p:nvPr>
-            <p:ph type="title"/>
-          </p:nvPr>
-        </p:nvSpPr>
-        <p:spPr>
-          <a:xfrm>
-            <a:off x="0" y="0"/>
-            <a:ext cx="2788920" cy="777240"/>
-          </a:xfrm>
-        </p:spPr>
-        <p:txBody>
-          <a:bodyPr/>
-          <a:lstStyle/>
-          <a:p>
-            <a:pPr algn="l"/>
-            <a:r>
-              <a:rPr lang="en-US" dirty="0" smtClean="0"/>
-              <a:t>Team Initials</a:t>
+              <a:t>CPR</a:t>
             </a:r>
             <a:endParaRPr lang="en-US" dirty="0"/>
           </a:p>

--- a/118 Documents/118DesignPresentation.pptx
+++ b/118 Documents/118DesignPresentation.pptx
@@ -3664,7 +3664,11 @@
             <a:pPr algn="l"/>
             <a:r>
               <a:rPr lang="en-US" dirty="0" smtClean="0"/>
-              <a:t>CPR</a:t>
+              <a:t>CPR </a:t>
+            </a:r>
+            <a:r>
+              <a:rPr lang="en-US" dirty="0" err="1" smtClean="0"/>
+              <a:t>f;ldjf</a:t>
             </a:r>
             <a:endParaRPr lang="en-US" dirty="0"/>
           </a:p>

--- a/118 Documents/118DesignPresentation.pptx
+++ b/118 Documents/118DesignPresentation.pptx
@@ -3666,14 +3666,105 @@
               <a:rPr lang="en-US" dirty="0" smtClean="0"/>
               <a:t>CPR </a:t>
             </a:r>
-            <a:r>
-              <a:rPr lang="en-US" dirty="0" err="1" smtClean="0"/>
-              <a:t>f;ldjf</a:t>
-            </a:r>
             <a:endParaRPr lang="en-US" dirty="0"/>
           </a:p>
         </p:txBody>
       </p:sp>
+      <p:pic>
+        <p:nvPicPr>
+          <p:cNvPr id="1026" name="Picture 2" descr="C:\Users\cswerdon\Downloads\img002.jpg"/>
+          <p:cNvPicPr>
+            <a:picLocks noChangeAspect="1" noChangeArrowheads="1"/>
+          </p:cNvPicPr>
+          <p:nvPr/>
+        </p:nvPicPr>
+        <p:blipFill>
+          <a:blip r:embed="rId3" cstate="print">
+            <a:extLst>
+              <a:ext uri="{28A0092B-C50C-407E-A947-70E740481C1C}">
+                <a14:useLocalDpi xmlns:a14="http://schemas.microsoft.com/office/drawing/2010/main" val="0"/>
+              </a:ext>
+            </a:extLst>
+          </a:blip>
+          <a:srcRect/>
+          <a:stretch>
+            <a:fillRect/>
+          </a:stretch>
+        </p:blipFill>
+        <p:spPr bwMode="auto">
+          <a:xfrm>
+            <a:off x="4769432" y="623316"/>
+            <a:ext cx="3343656" cy="5611368"/>
+          </a:xfrm>
+          <a:prstGeom prst="rect">
+            <a:avLst/>
+          </a:prstGeom>
+          <a:noFill/>
+          <a:extLst>
+            <a:ext uri="{909E8E84-426E-40DD-AFC4-6F175D3DCCD1}">
+              <a14:hiddenFill xmlns:a14="http://schemas.microsoft.com/office/drawing/2010/main">
+                <a:solidFill>
+                  <a:srgbClr val="FFFFFF"/>
+                </a:solidFill>
+              </a14:hiddenFill>
+            </a:ext>
+          </a:extLst>
+        </p:spPr>
+      </p:pic>
+      <p:pic>
+        <p:nvPicPr>
+          <p:cNvPr id="1031" name="Picture 7"/>
+          <p:cNvPicPr>
+            <a:picLocks noChangeAspect="1" noChangeArrowheads="1"/>
+          </p:cNvPicPr>
+          <p:nvPr/>
+        </p:nvPicPr>
+        <p:blipFill>
+          <a:blip r:embed="rId4">
+            <a:extLst>
+              <a:ext uri="{28A0092B-C50C-407E-A947-70E740481C1C}">
+                <a14:useLocalDpi xmlns:a14="http://schemas.microsoft.com/office/drawing/2010/main" val="0"/>
+              </a:ext>
+            </a:extLst>
+          </a:blip>
+          <a:srcRect/>
+          <a:stretch>
+            <a:fillRect/>
+          </a:stretch>
+        </p:blipFill>
+        <p:spPr bwMode="auto">
+          <a:xfrm>
+            <a:off x="417583" y="1437095"/>
+            <a:ext cx="3836210" cy="3733716"/>
+          </a:xfrm>
+          <a:prstGeom prst="rect">
+            <a:avLst/>
+          </a:prstGeom>
+          <a:noFill/>
+          <a:ln>
+            <a:noFill/>
+          </a:ln>
+          <a:extLst>
+            <a:ext uri="{909E8E84-426E-40DD-AFC4-6F175D3DCCD1}">
+              <a14:hiddenFill xmlns:a14="http://schemas.microsoft.com/office/drawing/2010/main">
+                <a:solidFill>
+                  <a:schemeClr val="accent1"/>
+                </a:solidFill>
+              </a14:hiddenFill>
+            </a:ext>
+            <a:ext uri="{91240B29-F687-4F45-9708-019B960494DF}">
+              <a14:hiddenLine xmlns:a14="http://schemas.microsoft.com/office/drawing/2010/main" w="9525">
+                <a:solidFill>
+                  <a:schemeClr val="tx1"/>
+                </a:solidFill>
+                <a:miter lim="800000"/>
+                <a:headEnd/>
+                <a:tailEnd/>
+              </a14:hiddenLine>
+            </a:ext>
+          </a:extLst>
+        </p:spPr>
+      </p:pic>
     </p:spTree>
   </p:cSld>
   <p:clrMapOvr>
@@ -3728,6 +3819,47 @@
           </a:p>
         </p:txBody>
       </p:sp>
+      <p:pic>
+        <p:nvPicPr>
+          <p:cNvPr id="2050" name="Picture 2" descr="C:\Users\cswerdon\Downloads\Design.PNG"/>
+          <p:cNvPicPr>
+            <a:picLocks noChangeAspect="1" noChangeArrowheads="1"/>
+          </p:cNvPicPr>
+          <p:nvPr/>
+        </p:nvPicPr>
+        <p:blipFill>
+          <a:blip r:embed="rId3">
+            <a:extLst>
+              <a:ext uri="{28A0092B-C50C-407E-A947-70E740481C1C}">
+                <a14:useLocalDpi xmlns:a14="http://schemas.microsoft.com/office/drawing/2010/main" val="0"/>
+              </a:ext>
+            </a:extLst>
+          </a:blip>
+          <a:srcRect/>
+          <a:stretch>
+            <a:fillRect/>
+          </a:stretch>
+        </p:blipFill>
+        <p:spPr bwMode="auto">
+          <a:xfrm>
+            <a:off x="1927638" y="0"/>
+            <a:ext cx="5288723" cy="6858000"/>
+          </a:xfrm>
+          <a:prstGeom prst="rect">
+            <a:avLst/>
+          </a:prstGeom>
+          <a:noFill/>
+          <a:extLst>
+            <a:ext uri="{909E8E84-426E-40DD-AFC4-6F175D3DCCD1}">
+              <a14:hiddenFill xmlns:a14="http://schemas.microsoft.com/office/drawing/2010/main">
+                <a:solidFill>
+                  <a:srgbClr val="FFFFFF"/>
+                </a:solidFill>
+              </a14:hiddenFill>
+            </a:ext>
+          </a:extLst>
+        </p:spPr>
+      </p:pic>
     </p:spTree>
     <p:extLst>
       <p:ext uri="{BB962C8B-B14F-4D97-AF65-F5344CB8AC3E}">
